--- a/outputs/slides/monil_sample_lecture.pptx
+++ b/outputs/slides/monil_sample_lecture.pptx
@@ -3157,7 +3157,7 @@
               </a:defRPr>
             </a:pPr>
             <a:r>
-              <a:t>Supervised Learning • Unsupervised Learning • Reinforcement Learning</a:t>
+              <a:t>Machine Learning • Supervised Learning • Unsupervised Learning</a:t>
             </a:r>
           </a:p>
         </p:txBody>
@@ -3211,7 +3211,7 @@
               </a:defRPr>
             </a:pPr>
             <a:r>
-              <a:t>Upcoming Topics</a:t>
+              <a:t>Next Lecture Preview</a:t>
             </a:r>
           </a:p>
         </p:txBody>
@@ -3242,37 +3242,7 @@
               </a:defRPr>
             </a:pPr>
             <a:r>
-              <a:t>Next lecture will cover evaluation metrics.</a:t>
-            </a:r>
-          </a:p>
-          <a:p>
-            <a:pPr>
-              <a:spcAft>
-                <a:spcPts val="800"/>
-              </a:spcAft>
-              <a:defRPr sz="2000">
-                <a:solidFill>
-                  <a:srgbClr val="374151"/>
-                </a:solidFill>
-              </a:defRPr>
-            </a:pPr>
-            <a:r>
-              <a:t>Key metrics include accuracy, precision, and recall.</a:t>
-            </a:r>
-          </a:p>
-          <a:p>
-            <a:pPr>
-              <a:spcAft>
-                <a:spcPts val="800"/>
-              </a:spcAft>
-              <a:defRPr sz="2000">
-                <a:solidFill>
-                  <a:srgbClr val="374151"/>
-                </a:solidFill>
-              </a:defRPr>
-            </a:pPr>
-            <a:r>
-              <a:t>F1-score will also be discussed.</a:t>
+              <a:t>Will cover evaluation metrics: accuracy, precision, recall, and F1-score.</a:t>
             </a:r>
           </a:p>
         </p:txBody>
@@ -3499,7 +3469,7 @@
               </a:defRPr>
             </a:pPr>
             <a:r>
-              <a:t>5. Key Challenges in ML</a:t>
+              <a:t>5. Challenges in Machine Learning</a:t>
             </a:r>
           </a:p>
           <a:p>
@@ -3514,7 +3484,7 @@
               </a:defRPr>
             </a:pPr>
             <a:r>
-              <a:t>6. Real-World Applications</a:t>
+              <a:t>6. Applications of Machine Learning</a:t>
             </a:r>
           </a:p>
           <a:p>
@@ -3529,7 +3499,7 @@
               </a:defRPr>
             </a:pPr>
             <a:r>
-              <a:t>7. Upcoming Topics</a:t>
+              <a:t>7. Next Lecture Preview</a:t>
             </a:r>
           </a:p>
         </p:txBody>
@@ -3614,7 +3584,7 @@
               </a:defRPr>
             </a:pPr>
             <a:r>
-              <a:t>Supervised Learning</a:t>
+              <a:t>Machine Learning</a:t>
             </a:r>
           </a:p>
           <a:p>
@@ -3629,7 +3599,7 @@
               </a:defRPr>
             </a:pPr>
             <a:r>
-              <a:t>Unsupervised Learning</a:t>
+              <a:t>Supervised Learning</a:t>
             </a:r>
           </a:p>
           <a:p>
@@ -3644,7 +3614,7 @@
               </a:defRPr>
             </a:pPr>
             <a:r>
-              <a:t>Reinforcement Learning</a:t>
+              <a:t>Unsupervised Learning</a:t>
             </a:r>
           </a:p>
           <a:p>
@@ -3659,7 +3629,7 @@
               </a:defRPr>
             </a:pPr>
             <a:r>
-              <a:t>Machine Learning Challenges</a:t>
+              <a:t>Reinforcement Learning</a:t>
             </a:r>
           </a:p>
           <a:p>
@@ -3674,7 +3644,7 @@
               </a:defRPr>
             </a:pPr>
             <a:r>
-              <a:t>ML Applications</a:t>
+              <a:t>Overfitting</a:t>
             </a:r>
           </a:p>
           <a:p>
@@ -3689,7 +3659,22 @@
               </a:defRPr>
             </a:pPr>
             <a:r>
-              <a:t>Evaluation Metrics</a:t>
+              <a:t>Bias</a:t>
+            </a:r>
+          </a:p>
+          <a:p>
+            <a:pPr>
+              <a:spcAft>
+                <a:spcPts val="800"/>
+              </a:spcAft>
+              <a:defRPr sz="2000">
+                <a:solidFill>
+                  <a:srgbClr val="374151"/>
+                </a:solidFill>
+              </a:defRPr>
+            </a:pPr>
+            <a:r>
+              <a:t>Applications</a:t>
             </a:r>
           </a:p>
         </p:txBody>
@@ -3774,37 +3759,7 @@
               </a:defRPr>
             </a:pPr>
             <a:r>
-              <a:t>Machine learning teaches computers to learn from data.</a:t>
-            </a:r>
-          </a:p>
-          <a:p>
-            <a:pPr>
-              <a:spcAft>
-                <a:spcPts val="800"/>
-              </a:spcAft>
-              <a:defRPr sz="2000">
-                <a:solidFill>
-                  <a:srgbClr val="374151"/>
-                </a:solidFill>
-              </a:defRPr>
-            </a:pPr>
-            <a:r>
-              <a:t>It replaces explicit rules with pattern recognition.</a:t>
-            </a:r>
-          </a:p>
-          <a:p>
-            <a:pPr>
-              <a:spcAft>
-                <a:spcPts val="800"/>
-              </a:spcAft>
-              <a:defRPr sz="2000">
-                <a:solidFill>
-                  <a:srgbClr val="374151"/>
-                </a:solidFill>
-              </a:defRPr>
-            </a:pPr>
-            <a:r>
-              <a:t>Aims to predict unseen cases based on learned patterns.</a:t>
+              <a:t>Machine learning teaches computers to learn from data instead of explicit rules.</a:t>
             </a:r>
           </a:p>
         </p:txBody>
@@ -3889,7 +3844,7 @@
               </a:defRPr>
             </a:pPr>
             <a:r>
-              <a:t>System is trained on labeled data.</a:t>
+              <a:t>System trained on labeled data (e.g., spam/not spam emails).</a:t>
             </a:r>
           </a:p>
           <a:p>
@@ -3904,7 +3859,7 @@
               </a:defRPr>
             </a:pPr>
             <a:r>
-              <a:t>Example: Email marked as spam or not spam.</a:t>
+              <a:t>Model learns patterns to predict unseen cases.</a:t>
             </a:r>
           </a:p>
           <a:p>
@@ -3919,22 +3874,7 @@
               </a:defRPr>
             </a:pPr>
             <a:r>
-              <a:t>Model learns patterns to predict new cases.</a:t>
-            </a:r>
-          </a:p>
-          <a:p>
-            <a:pPr>
-              <a:spcAft>
-                <a:spcPts val="800"/>
-              </a:spcAft>
-              <a:defRPr sz="2000">
-                <a:solidFill>
-                  <a:srgbClr val="374151"/>
-                </a:solidFill>
-              </a:defRPr>
-            </a:pPr>
-            <a:r>
-              <a:t>Common algorithms: Decision trees, Support Vector Machines, Neural Networks.</a:t>
+              <a:t>Common algorithms: decision trees, support vector machines, neural networks.</a:t>
             </a:r>
           </a:p>
         </p:txBody>
@@ -4019,7 +3959,7 @@
               </a:defRPr>
             </a:pPr>
             <a:r>
-              <a:t>System finds patterns in data without labels.</a:t>
+              <a:t>System finds patterns without labels.</a:t>
             </a:r>
           </a:p>
           <a:p>
@@ -4034,7 +3974,7 @@
               </a:defRPr>
             </a:pPr>
             <a:r>
-              <a:t>Example: Clustering customers by purchasing behavior.</a:t>
+              <a:t>Example: clustering customers based on purchasing behavior.</a:t>
             </a:r>
           </a:p>
           <a:p>
@@ -4049,7 +3989,7 @@
               </a:defRPr>
             </a:pPr>
             <a:r>
-              <a:t>K-means is a classic algorithm for this.</a:t>
+              <a:t>K-means is a classic algorithm example.</a:t>
             </a:r>
           </a:p>
         </p:txBody>
@@ -4134,7 +4074,7 @@
               </a:defRPr>
             </a:pPr>
             <a:r>
-              <a:t>An agent interacts with an environment.</a:t>
+              <a:t>Agent interacts with an environment and learns from feedback or rewards.</a:t>
             </a:r>
           </a:p>
           <a:p>
@@ -4149,22 +4089,7 @@
               </a:defRPr>
             </a:pPr>
             <a:r>
-              <a:t>Learns from feedback or rewards.</a:t>
-            </a:r>
-          </a:p>
-          <a:p>
-            <a:pPr>
-              <a:spcAft>
-                <a:spcPts val="800"/>
-              </a:spcAft>
-              <a:defRPr sz="2000">
-                <a:solidFill>
-                  <a:srgbClr val="374151"/>
-                </a:solidFill>
-              </a:defRPr>
-            </a:pPr>
-            <a:r>
-              <a:t>Example: Training AI to play video games or control robots.</a:t>
+              <a:t>Examples: training AI to play video games or control a robot.</a:t>
             </a:r>
           </a:p>
         </p:txBody>
@@ -4218,7 +4143,7 @@
               </a:defRPr>
             </a:pPr>
             <a:r>
-              <a:t>Key Challenges in ML</a:t>
+              <a:t>Challenges in Machine Learning</a:t>
             </a:r>
           </a:p>
         </p:txBody>
@@ -4249,7 +4174,7 @@
               </a:defRPr>
             </a:pPr>
             <a:r>
-              <a:t>Overfitting: Model memorizes training data.</a:t>
+              <a:t>Overfitting: model memorizes training data, performs poorly on new data.</a:t>
             </a:r>
           </a:p>
           <a:p>
@@ -4264,22 +4189,7 @@
               </a:defRPr>
             </a:pPr>
             <a:r>
-              <a:t>Overfitting leads to poor performance on new data.</a:t>
-            </a:r>
-          </a:p>
-          <a:p>
-            <a:pPr>
-              <a:spcAft>
-                <a:spcPts val="800"/>
-              </a:spcAft>
-              <a:defRPr sz="2000">
-                <a:solidFill>
-                  <a:srgbClr val="374151"/>
-                </a:solidFill>
-              </a:defRPr>
-            </a:pPr>
-            <a:r>
-              <a:t>Bias: Occurs when training data is unbalanced.</a:t>
+              <a:t>Bias: occurs when the data itself is not balanced.</a:t>
             </a:r>
           </a:p>
         </p:txBody>
@@ -4333,7 +4243,7 @@
               </a:defRPr>
             </a:pPr>
             <a:r>
-              <a:t>Real-World Applications</a:t>
+              <a:t>Applications of Machine Learning</a:t>
             </a:r>
           </a:p>
         </p:txBody>
@@ -4364,7 +4274,7 @@
               </a:defRPr>
             </a:pPr>
             <a:r>
-              <a:t>Healthcare: Used for disease prediction.</a:t>
+              <a:t>Healthcare: disease prediction.</a:t>
             </a:r>
           </a:p>
           <a:p>
@@ -4379,7 +4289,7 @@
               </a:defRPr>
             </a:pPr>
             <a:r>
-              <a:t>Finance: Applied in fraud detection.</a:t>
+              <a:t>Finance: fraud detection.</a:t>
             </a:r>
           </a:p>
           <a:p>
@@ -4394,7 +4304,7 @@
               </a:defRPr>
             </a:pPr>
             <a:r>
-              <a:t>Self-driving cars: Essential for object recognition.</a:t>
+              <a:t>Self-driving cars: object recognition.</a:t>
             </a:r>
           </a:p>
         </p:txBody>
